--- a/Clase 2/Clase4.pptx
+++ b/Clase 2/Clase4.pptx
@@ -174,10 +174,6 @@
 </p:presentation>
 </file>
 
-<file path=ppt/revisionInfo.xml><?xml version="1.0" encoding="utf-8"?>
-<p1510:revInfo xmlns:a="http://schemas.openxmlformats.org/drawingml/2006/main" xmlns:r="http://schemas.openxmlformats.org/officeDocument/2006/relationships" xmlns:p1510="http://schemas.microsoft.com/office/powerpoint/2015/10/main"/>
-</file>
-
 <file path=ppt/handoutMasters/handoutMaster1.xml><?xml version="1.0" encoding="utf-8"?>
 <p:handoutMaster xmlns:a="http://schemas.openxmlformats.org/drawingml/2006/main" xmlns:r="http://schemas.openxmlformats.org/officeDocument/2006/relationships" xmlns:p="http://schemas.openxmlformats.org/presentationml/2006/main">
   <p:cSld>
@@ -260,7 +256,7 @@
           <a:p>
             <a:fld id="{56EFBD41-8F30-499F-8836-9A8B592EDCF2}" type="datetimeFigureOut">
               <a:rPr lang="es-CR" smtClean="0"/>
-              <a:t>3/10/2017</a:t>
+              <a:t>24/5/2019</a:t>
             </a:fld>
             <a:endParaRPr lang="es-CR" dirty="0"/>
           </a:p>
@@ -425,7 +421,7 @@
           <a:p>
             <a:fld id="{701C4BE3-AD0D-43FB-97B9-68E31F3243AC}" type="datetimeFigureOut">
               <a:rPr lang="es-CR" smtClean="0"/>
-              <a:t>3/10/2017</a:t>
+              <a:t>24/5/2019</a:t>
             </a:fld>
             <a:endParaRPr lang="es-CR" dirty="0"/>
           </a:p>
@@ -920,7 +916,7 @@
           <a:p>
             <a:fld id="{EABE8AA6-12A8-4B45-AB18-A83908A3A2E6}" type="datetimeFigureOut">
               <a:rPr lang="es-ES" smtClean="0"/>
-              <a:t>03/10/2017</a:t>
+              <a:t>24/05/2019</a:t>
             </a:fld>
             <a:endParaRPr lang="es-ES" dirty="0"/>
           </a:p>
@@ -1090,7 +1086,7 @@
           <a:p>
             <a:fld id="{EABE8AA6-12A8-4B45-AB18-A83908A3A2E6}" type="datetimeFigureOut">
               <a:rPr lang="es-ES" smtClean="0"/>
-              <a:t>03/10/2017</a:t>
+              <a:t>24/05/2019</a:t>
             </a:fld>
             <a:endParaRPr lang="es-ES" dirty="0"/>
           </a:p>
@@ -1270,7 +1266,7 @@
           <a:p>
             <a:fld id="{EABE8AA6-12A8-4B45-AB18-A83908A3A2E6}" type="datetimeFigureOut">
               <a:rPr lang="es-ES" smtClean="0"/>
-              <a:t>03/10/2017</a:t>
+              <a:t>24/05/2019</a:t>
             </a:fld>
             <a:endParaRPr lang="es-ES" dirty="0"/>
           </a:p>
@@ -1473,7 +1469,7 @@
           <a:p>
             <a:fld id="{EABE8AA6-12A8-4B45-AB18-A83908A3A2E6}" type="datetimeFigureOut">
               <a:rPr lang="es-ES" smtClean="0"/>
-              <a:t>03/10/2017</a:t>
+              <a:t>24/05/2019</a:t>
             </a:fld>
             <a:endParaRPr lang="es-ES" dirty="0"/>
           </a:p>
@@ -1643,7 +1639,7 @@
           <a:p>
             <a:fld id="{EABE8AA6-12A8-4B45-AB18-A83908A3A2E6}" type="datetimeFigureOut">
               <a:rPr lang="es-ES" smtClean="0"/>
-              <a:t>03/10/2017</a:t>
+              <a:t>24/05/2019</a:t>
             </a:fld>
             <a:endParaRPr lang="es-ES" dirty="0"/>
           </a:p>
@@ -1894,7 +1890,7 @@
           <a:p>
             <a:fld id="{EABE8AA6-12A8-4B45-AB18-A83908A3A2E6}" type="datetimeFigureOut">
               <a:rPr lang="es-ES" smtClean="0"/>
-              <a:t>03/10/2017</a:t>
+              <a:t>24/05/2019</a:t>
             </a:fld>
             <a:endParaRPr lang="es-ES" dirty="0"/>
           </a:p>
@@ -2126,7 +2122,7 @@
           <a:p>
             <a:fld id="{EABE8AA6-12A8-4B45-AB18-A83908A3A2E6}" type="datetimeFigureOut">
               <a:rPr lang="es-ES" smtClean="0"/>
-              <a:t>03/10/2017</a:t>
+              <a:t>24/05/2019</a:t>
             </a:fld>
             <a:endParaRPr lang="es-ES" dirty="0"/>
           </a:p>
@@ -2473,7 +2469,7 @@
           <a:p>
             <a:fld id="{EABE8AA6-12A8-4B45-AB18-A83908A3A2E6}" type="datetimeFigureOut">
               <a:rPr lang="es-ES" smtClean="0"/>
-              <a:t>03/10/2017</a:t>
+              <a:t>24/05/2019</a:t>
             </a:fld>
             <a:endParaRPr lang="es-ES" dirty="0"/>
           </a:p>
@@ -2591,7 +2587,7 @@
           <a:p>
             <a:fld id="{73D7E00A-486F-4252-8B1D-E32645521F49}" type="datetime1">
               <a:rPr lang="en-US" smtClean="0"/>
-              <a:t>10/3/2017</a:t>
+              <a:t>5/24/2019</a:t>
             </a:fld>
             <a:endParaRPr lang="en-US" dirty="0"/>
           </a:p>
@@ -2709,7 +2705,7 @@
           <a:p>
             <a:fld id="{EABE8AA6-12A8-4B45-AB18-A83908A3A2E6}" type="datetimeFigureOut">
               <a:rPr lang="es-ES" smtClean="0"/>
-              <a:t>03/10/2017</a:t>
+              <a:t>24/05/2019</a:t>
             </a:fld>
             <a:endParaRPr lang="es-ES" dirty="0"/>
           </a:p>
@@ -2993,7 +2989,7 @@
           <a:p>
             <a:fld id="{EABE8AA6-12A8-4B45-AB18-A83908A3A2E6}" type="datetimeFigureOut">
               <a:rPr lang="es-ES" smtClean="0"/>
-              <a:t>03/10/2017</a:t>
+              <a:t>24/05/2019</a:t>
             </a:fld>
             <a:endParaRPr lang="es-ES" dirty="0"/>
           </a:p>
@@ -3163,7 +3159,7 @@
           <a:p>
             <a:fld id="{EABE8AA6-12A8-4B45-AB18-A83908A3A2E6}" type="datetimeFigureOut">
               <a:rPr lang="es-ES" smtClean="0"/>
-              <a:t>03/10/2017</a:t>
+              <a:t>24/05/2019</a:t>
             </a:fld>
             <a:endParaRPr lang="es-ES" dirty="0"/>
           </a:p>
@@ -3427,7 +3423,7 @@
           <a:p>
             <a:fld id="{EABE8AA6-12A8-4B45-AB18-A83908A3A2E6}" type="datetimeFigureOut">
               <a:rPr lang="es-ES" smtClean="0"/>
-              <a:t>03/10/2017</a:t>
+              <a:t>24/05/2019</a:t>
             </a:fld>
             <a:endParaRPr lang="es-ES" dirty="0"/>
           </a:p>
@@ -3597,7 +3593,7 @@
           <a:p>
             <a:fld id="{EABE8AA6-12A8-4B45-AB18-A83908A3A2E6}" type="datetimeFigureOut">
               <a:rPr lang="es-ES" smtClean="0"/>
-              <a:t>03/10/2017</a:t>
+              <a:t>24/05/2019</a:t>
             </a:fld>
             <a:endParaRPr lang="es-ES" dirty="0"/>
           </a:p>
@@ -3777,7 +3773,7 @@
           <a:p>
             <a:fld id="{EABE8AA6-12A8-4B45-AB18-A83908A3A2E6}" type="datetimeFigureOut">
               <a:rPr lang="es-ES" smtClean="0"/>
-              <a:t>03/10/2017</a:t>
+              <a:t>24/05/2019</a:t>
             </a:fld>
             <a:endParaRPr lang="es-ES" dirty="0"/>
           </a:p>
@@ -3969,7 +3965,7 @@
           <a:p>
             <a:fld id="{EABE8AA6-12A8-4B45-AB18-A83908A3A2E6}" type="datetimeFigureOut">
               <a:rPr lang="es-ES" smtClean="0"/>
-              <a:t>03/10/2017</a:t>
+              <a:t>24/05/2019</a:t>
             </a:fld>
             <a:endParaRPr lang="es-ES" dirty="0"/>
           </a:p>
@@ -4230,7 +4226,7 @@
           <a:p>
             <a:fld id="{EABE8AA6-12A8-4B45-AB18-A83908A3A2E6}" type="datetimeFigureOut">
               <a:rPr lang="es-ES" smtClean="0"/>
-              <a:t>03/10/2017</a:t>
+              <a:t>24/05/2019</a:t>
             </a:fld>
             <a:endParaRPr lang="es-ES" dirty="0"/>
           </a:p>
@@ -4621,7 +4617,7 @@
           <a:p>
             <a:fld id="{EABE8AA6-12A8-4B45-AB18-A83908A3A2E6}" type="datetimeFigureOut">
               <a:rPr lang="es-ES" smtClean="0"/>
-              <a:t>03/10/2017</a:t>
+              <a:t>24/05/2019</a:t>
             </a:fld>
             <a:endParaRPr lang="es-ES" dirty="0"/>
           </a:p>
@@ -4909,7 +4905,7 @@
           <a:p>
             <a:fld id="{EABE8AA6-12A8-4B45-AB18-A83908A3A2E6}" type="datetimeFigureOut">
               <a:rPr lang="es-ES" smtClean="0"/>
-              <a:t>03/10/2017</a:t>
+              <a:t>24/05/2019</a:t>
             </a:fld>
             <a:endParaRPr lang="es-ES" dirty="0"/>
           </a:p>
@@ -5332,7 +5328,7 @@
           <a:p>
             <a:fld id="{EABE8AA6-12A8-4B45-AB18-A83908A3A2E6}" type="datetimeFigureOut">
               <a:rPr lang="es-ES" smtClean="0"/>
-              <a:t>03/10/2017</a:t>
+              <a:t>24/05/2019</a:t>
             </a:fld>
             <a:endParaRPr lang="es-ES" dirty="0"/>
           </a:p>
@@ -5450,7 +5446,7 @@
           <a:p>
             <a:fld id="{73D7E00A-486F-4252-8B1D-E32645521F49}" type="datetime1">
               <a:rPr lang="en-US" smtClean="0"/>
-              <a:t>10/3/2017</a:t>
+              <a:t>5/24/2019</a:t>
             </a:fld>
             <a:endParaRPr lang="en-US" dirty="0"/>
           </a:p>
@@ -5545,7 +5541,7 @@
           <a:p>
             <a:fld id="{EABE8AA6-12A8-4B45-AB18-A83908A3A2E6}" type="datetimeFigureOut">
               <a:rPr lang="es-ES" smtClean="0"/>
-              <a:t>03/10/2017</a:t>
+              <a:t>24/05/2019</a:t>
             </a:fld>
             <a:endParaRPr lang="es-ES" dirty="0"/>
           </a:p>
@@ -5796,7 +5792,7 @@
           <a:p>
             <a:fld id="{EABE8AA6-12A8-4B45-AB18-A83908A3A2E6}" type="datetimeFigureOut">
               <a:rPr lang="es-ES" smtClean="0"/>
-              <a:t>03/10/2017</a:t>
+              <a:t>24/05/2019</a:t>
             </a:fld>
             <a:endParaRPr lang="es-ES" dirty="0"/>
           </a:p>
@@ -6073,7 +6069,7 @@
           <a:p>
             <a:fld id="{EABE8AA6-12A8-4B45-AB18-A83908A3A2E6}" type="datetimeFigureOut">
               <a:rPr lang="es-ES" smtClean="0"/>
-              <a:t>03/10/2017</a:t>
+              <a:t>24/05/2019</a:t>
             </a:fld>
             <a:endParaRPr lang="es-ES" dirty="0"/>
           </a:p>
@@ -6330,7 +6326,7 @@
           <a:p>
             <a:fld id="{EABE8AA6-12A8-4B45-AB18-A83908A3A2E6}" type="datetimeFigureOut">
               <a:rPr lang="es-ES" smtClean="0"/>
-              <a:t>03/10/2017</a:t>
+              <a:t>24/05/2019</a:t>
             </a:fld>
             <a:endParaRPr lang="es-ES" dirty="0"/>
           </a:p>
@@ -6500,7 +6496,7 @@
           <a:p>
             <a:fld id="{EABE8AA6-12A8-4B45-AB18-A83908A3A2E6}" type="datetimeFigureOut">
               <a:rPr lang="es-ES" smtClean="0"/>
-              <a:t>03/10/2017</a:t>
+              <a:t>24/05/2019</a:t>
             </a:fld>
             <a:endParaRPr lang="es-ES" dirty="0"/>
           </a:p>
@@ -6680,7 +6676,7 @@
           <a:p>
             <a:fld id="{EABE8AA6-12A8-4B45-AB18-A83908A3A2E6}" type="datetimeFigureOut">
               <a:rPr lang="es-ES" smtClean="0"/>
-              <a:t>03/10/2017</a:t>
+              <a:t>24/05/2019</a:t>
             </a:fld>
             <a:endParaRPr lang="es-ES" dirty="0"/>
           </a:p>
@@ -7220,7 +7216,7 @@
           <a:p>
             <a:fld id="{EABE8AA6-12A8-4B45-AB18-A83908A3A2E6}" type="datetimeFigureOut">
               <a:rPr lang="es-ES" smtClean="0"/>
-              <a:t>03/10/2017</a:t>
+              <a:t>24/05/2019</a:t>
             </a:fld>
             <a:endParaRPr lang="es-ES" dirty="0"/>
           </a:p>
@@ -7567,7 +7563,7 @@
           <a:p>
             <a:fld id="{EABE8AA6-12A8-4B45-AB18-A83908A3A2E6}" type="datetimeFigureOut">
               <a:rPr lang="es-ES" smtClean="0"/>
-              <a:t>03/10/2017</a:t>
+              <a:t>24/05/2019</a:t>
             </a:fld>
             <a:endParaRPr lang="es-ES" dirty="0"/>
           </a:p>
@@ -7685,7 +7681,7 @@
           <a:p>
             <a:fld id="{73D7E00A-486F-4252-8B1D-E32645521F49}" type="datetime1">
               <a:rPr lang="en-US" smtClean="0"/>
-              <a:t>10/3/2017</a:t>
+              <a:t>5/24/2019</a:t>
             </a:fld>
             <a:endParaRPr lang="en-US" dirty="0"/>
           </a:p>
@@ -8123,7 +8119,7 @@
           <a:p>
             <a:fld id="{EABE8AA6-12A8-4B45-AB18-A83908A3A2E6}" type="datetimeFigureOut">
               <a:rPr lang="es-ES" smtClean="0"/>
-              <a:t>03/10/2017</a:t>
+              <a:t>24/05/2019</a:t>
             </a:fld>
             <a:endParaRPr lang="es-ES" dirty="0"/>
           </a:p>
@@ -8387,7 +8383,7 @@
           <a:p>
             <a:fld id="{EABE8AA6-12A8-4B45-AB18-A83908A3A2E6}" type="datetimeFigureOut">
               <a:rPr lang="es-ES" smtClean="0"/>
-              <a:t>03/10/2017</a:t>
+              <a:t>24/05/2019</a:t>
             </a:fld>
             <a:endParaRPr lang="es-ES" dirty="0"/>
           </a:p>
@@ -8601,7 +8597,7 @@
           <a:p>
             <a:fld id="{5586B75A-687E-405C-8A0B-8D00578BA2C3}" type="datetime1">
               <a:rPr lang="en-US" smtClean="0"/>
-              <a:t>10/3/2017</a:t>
+              <a:t>5/24/2019</a:t>
             </a:fld>
             <a:endParaRPr lang="en-US" dirty="0"/>
           </a:p>
@@ -9131,7 +9127,7 @@
           <a:p>
             <a:fld id="{5586B75A-687E-405C-8A0B-8D00578BA2C3}" type="datetime1">
               <a:rPr lang="en-US" smtClean="0"/>
-              <a:t>10/3/2017</a:t>
+              <a:t>5/24/2019</a:t>
             </a:fld>
             <a:endParaRPr lang="en-US" dirty="0"/>
           </a:p>
@@ -9660,7 +9656,7 @@
           <a:p>
             <a:fld id="{5586B75A-687E-405C-8A0B-8D00578BA2C3}" type="datetime1">
               <a:rPr lang="en-US" smtClean="0"/>
-              <a:t>10/3/2017</a:t>
+              <a:t>5/24/2019</a:t>
             </a:fld>
             <a:endParaRPr lang="en-US" dirty="0"/>
           </a:p>
@@ -11798,9 +11794,10 @@
               </a:spcBef>
             </a:pPr>
             <a:r>
-              <a:rPr lang="es-CR" dirty="0"/>
-              <a:t>2017</a:t>
-            </a:r>
+              <a:rPr lang="es-CR"/>
+              <a:t>2019</a:t>
+            </a:r>
+            <a:endParaRPr lang="es-CR" dirty="0"/>
           </a:p>
         </p:txBody>
       </p:sp>
